--- a/docs/мой_семинар/2. Пишем ТЗ и планируем.pptx
+++ b/docs/мой_семинар/2. Пишем ТЗ и планируем.pptx
@@ -872,7 +872,7 @@
           </a:ln>
           <a:extLst>
             <a:ext uri="{C572A759-6A51-4108-AA02-DFA0A04FC94B}">
-              <ma14:wrappingTextBoxFlag xmlns:ma14="http://schemas.microsoft.com/office/mac/drawingml/2011/main" xmlns="" val="1"/>
+              <ma14:wrappingTextBoxFlag xmlns="" xmlns:ma14="http://schemas.microsoft.com/office/mac/drawingml/2011/main" val="1"/>
             </a:ext>
           </a:extLst>
         </p:spPr>
@@ -1022,7 +1022,7 @@
           </a:ln>
           <a:extLst>
             <a:ext uri="{C572A759-6A51-4108-AA02-DFA0A04FC94B}">
-              <ma14:wrappingTextBoxFlag xmlns:ma14="http://schemas.microsoft.com/office/mac/drawingml/2011/main" xmlns="" val="1"/>
+              <ma14:wrappingTextBoxFlag xmlns="" xmlns:ma14="http://schemas.microsoft.com/office/mac/drawingml/2011/main" val="1"/>
             </a:ext>
           </a:extLst>
         </p:spPr>
@@ -1151,7 +1151,7 @@
           </a:ln>
           <a:extLst>
             <a:ext uri="{C572A759-6A51-4108-AA02-DFA0A04FC94B}">
-              <ma14:wrappingTextBoxFlag xmlns:ma14="http://schemas.microsoft.com/office/mac/drawingml/2011/main" xmlns="" val="1"/>
+              <ma14:wrappingTextBoxFlag xmlns="" xmlns:ma14="http://schemas.microsoft.com/office/mac/drawingml/2011/main" val="1"/>
             </a:ext>
           </a:extLst>
         </p:spPr>
@@ -1264,7 +1264,7 @@
           </a:ln>
           <a:extLst>
             <a:ext uri="{C572A759-6A51-4108-AA02-DFA0A04FC94B}">
-              <ma14:wrappingTextBoxFlag xmlns:ma14="http://schemas.microsoft.com/office/mac/drawingml/2011/main" xmlns="" val="1"/>
+              <ma14:wrappingTextBoxFlag xmlns="" xmlns:ma14="http://schemas.microsoft.com/office/mac/drawingml/2011/main" val="1"/>
             </a:ext>
           </a:extLst>
         </p:spPr>
@@ -1414,7 +1414,7 @@
           </a:ln>
           <a:extLst>
             <a:ext uri="{C572A759-6A51-4108-AA02-DFA0A04FC94B}">
-              <ma14:wrappingTextBoxFlag xmlns:ma14="http://schemas.microsoft.com/office/mac/drawingml/2011/main" xmlns="" val="1"/>
+              <ma14:wrappingTextBoxFlag xmlns="" xmlns:ma14="http://schemas.microsoft.com/office/mac/drawingml/2011/main" val="1"/>
             </a:ext>
           </a:extLst>
         </p:spPr>
@@ -1564,7 +1564,7 @@
           </a:ln>
           <a:extLst>
             <a:ext uri="{C572A759-6A51-4108-AA02-DFA0A04FC94B}">
-              <ma14:wrappingTextBoxFlag xmlns:ma14="http://schemas.microsoft.com/office/mac/drawingml/2011/main" xmlns="" val="1"/>
+              <ma14:wrappingTextBoxFlag xmlns="" xmlns:ma14="http://schemas.microsoft.com/office/mac/drawingml/2011/main" val="1"/>
             </a:ext>
           </a:extLst>
         </p:spPr>
@@ -1714,7 +1714,7 @@
           </a:ln>
           <a:extLst>
             <a:ext uri="{C572A759-6A51-4108-AA02-DFA0A04FC94B}">
-              <ma14:wrappingTextBoxFlag xmlns:ma14="http://schemas.microsoft.com/office/mac/drawingml/2011/main" xmlns="" val="1"/>
+              <ma14:wrappingTextBoxFlag xmlns="" xmlns:ma14="http://schemas.microsoft.com/office/mac/drawingml/2011/main" val="1"/>
             </a:ext>
           </a:extLst>
         </p:spPr>
@@ -2758,7 +2758,7 @@
           </a:prstGeom>
           <a:extLst>
             <a:ext uri="{C572A759-6A51-4108-AA02-DFA0A04FC94B}">
-              <ma14:wrappingTextBoxFlag xmlns:ma14="http://schemas.microsoft.com/office/mac/drawingml/2011/main" xmlns="" val="1"/>
+              <ma14:wrappingTextBoxFlag xmlns="" xmlns:ma14="http://schemas.microsoft.com/office/mac/drawingml/2011/main" val="1"/>
             </a:ext>
           </a:extLst>
         </p:spPr>
@@ -2869,7 +2869,7 @@
           </a:ln>
           <a:extLst>
             <a:ext uri="{C572A759-6A51-4108-AA02-DFA0A04FC94B}">
-              <ma14:wrappingTextBoxFlag xmlns:ma14="http://schemas.microsoft.com/office/mac/drawingml/2011/main" xmlns="" val="1"/>
+              <ma14:wrappingTextBoxFlag xmlns="" xmlns:ma14="http://schemas.microsoft.com/office/mac/drawingml/2011/main" val="1"/>
             </a:ext>
           </a:extLst>
         </p:spPr>
@@ -3170,7 +3170,7 @@
           </a:prstGeom>
           <a:extLst>
             <a:ext uri="{C572A759-6A51-4108-AA02-DFA0A04FC94B}">
-              <ma14:wrappingTextBoxFlag xmlns:ma14="http://schemas.microsoft.com/office/mac/drawingml/2011/main" xmlns="" val="1"/>
+              <ma14:wrappingTextBoxFlag xmlns="" xmlns:ma14="http://schemas.microsoft.com/office/mac/drawingml/2011/main" val="1"/>
             </a:ext>
           </a:extLst>
         </p:spPr>
@@ -3204,7 +3204,7 @@
           </a:ln>
           <a:extLst>
             <a:ext uri="{C572A759-6A51-4108-AA02-DFA0A04FC94B}">
-              <ma14:wrappingTextBoxFlag xmlns:ma14="http://schemas.microsoft.com/office/mac/drawingml/2011/main" xmlns="" val="1"/>
+              <ma14:wrappingTextBoxFlag xmlns="" xmlns:ma14="http://schemas.microsoft.com/office/mac/drawingml/2011/main" val="1"/>
             </a:ext>
           </a:extLst>
         </p:spPr>
@@ -3257,7 +3257,7 @@
           </a:ln>
           <a:extLst>
             <a:ext uri="{C572A759-6A51-4108-AA02-DFA0A04FC94B}">
-              <ma14:wrappingTextBoxFlag xmlns:ma14="http://schemas.microsoft.com/office/mac/drawingml/2011/main" xmlns="" val="1"/>
+              <ma14:wrappingTextBoxFlag xmlns="" xmlns:ma14="http://schemas.microsoft.com/office/mac/drawingml/2011/main" val="1"/>
             </a:ext>
           </a:extLst>
         </p:spPr>
@@ -3300,7 +3300,7 @@
         </p:nvSpPr>
         <p:spPr>
           <a:xfrm>
-            <a:off x="4705188" y="6312076"/>
+            <a:off x="7704856" y="4678486"/>
             <a:ext cx="4707084" cy="1077218"/>
           </a:xfrm>
           <a:prstGeom prst="rect">
@@ -3311,7 +3311,7 @@
           </a:ln>
           <a:extLst>
             <a:ext uri="{C572A759-6A51-4108-AA02-DFA0A04FC94B}">
-              <ma14:wrappingTextBoxFlag xmlns:ma14="http://schemas.microsoft.com/office/mac/drawingml/2011/main" xmlns="" val="1"/>
+              <ma14:wrappingTextBoxFlag xmlns="" xmlns:ma14="http://schemas.microsoft.com/office/mac/drawingml/2011/main" val="1"/>
             </a:ext>
           </a:extLst>
         </p:spPr>
@@ -3342,60 +3342,6 @@
       </p:sp>
       <p:sp>
         <p:nvSpPr>
-          <p:cNvPr id="11" name="Shape 704">
-            <a:extLst>
-              <a:ext uri="{FF2B5EF4-FFF2-40B4-BE49-F238E27FC236}">
-                <a16:creationId xmlns:a16="http://schemas.microsoft.com/office/drawing/2014/main" id="{EBA364FF-4696-A84C-986D-4D691241B7E7}"/>
-              </a:ext>
-            </a:extLst>
-          </p:cNvPr>
-          <p:cNvSpPr/>
-          <p:nvPr/>
-        </p:nvSpPr>
-        <p:spPr>
-          <a:xfrm>
-            <a:off x="13998634" y="6312076"/>
-            <a:ext cx="4990196" cy="1077218"/>
-          </a:xfrm>
-          <a:prstGeom prst="rect">
-            <a:avLst/>
-          </a:prstGeom>
-          <a:ln w="12700">
-            <a:miter lim="400000"/>
-          </a:ln>
-          <a:extLst>
-            <a:ext uri="{C572A759-6A51-4108-AA02-DFA0A04FC94B}">
-              <ma14:wrappingTextBoxFlag xmlns:ma14="http://schemas.microsoft.com/office/mac/drawingml/2011/main" xmlns="" val="1"/>
-            </a:ext>
-          </a:extLst>
-        </p:spPr>
-        <p:txBody>
-          <a:bodyPr wrap="square" lIns="0" tIns="0" rIns="0" bIns="0">
-            <a:spAutoFit/>
-          </a:bodyPr>
-          <a:lstStyle/>
-          <a:p>
-            <a:pPr>
-              <a:defRPr sz="3500">
-                <a:solidFill>
-                  <a:srgbClr val="FFFFFF"/>
-                </a:solidFill>
-                <a:latin typeface="San Francisco Display Thin"/>
-                <a:ea typeface="San Francisco Display Thin"/>
-                <a:cs typeface="San Francisco Display Thin"/>
-                <a:sym typeface="San Francisco Display Thin"/>
-              </a:defRPr>
-            </a:pPr>
-            <a:r>
-              <a:rPr lang="ru-RU" dirty="0"/>
-              <a:t>Оценим ресурсы, затраты и риски</a:t>
-            </a:r>
-            <a:endParaRPr dirty="0"/>
-          </a:p>
-        </p:txBody>
-      </p:sp>
-      <p:sp>
-        <p:nvSpPr>
           <p:cNvPr id="3" name="Shape 704">
             <a:extLst>
               <a:ext uri="{FF2B5EF4-FFF2-40B4-BE49-F238E27FC236}">
@@ -3408,7 +3354,7 @@
         </p:nvSpPr>
         <p:spPr>
           <a:xfrm>
-            <a:off x="9850391" y="4678486"/>
+            <a:off x="14462149" y="4692207"/>
             <a:ext cx="4339533" cy="538609"/>
           </a:xfrm>
           <a:prstGeom prst="rect">
@@ -3419,7 +3365,7 @@
           </a:ln>
           <a:extLst>
             <a:ext uri="{C572A759-6A51-4108-AA02-DFA0A04FC94B}">
-              <ma14:wrappingTextBoxFlag xmlns:ma14="http://schemas.microsoft.com/office/mac/drawingml/2011/main" xmlns="" val="1"/>
+              <ma14:wrappingTextBoxFlag xmlns="" xmlns:ma14="http://schemas.microsoft.com/office/mac/drawingml/2011/main" val="1"/>
             </a:ext>
           </a:extLst>
         </p:spPr>
@@ -3536,7 +3482,7 @@
           </a:ln>
           <a:extLst>
             <a:ext uri="{C572A759-6A51-4108-AA02-DFA0A04FC94B}">
-              <ma14:wrappingTextBoxFlag xmlns:ma14="http://schemas.microsoft.com/office/mac/drawingml/2011/main" xmlns="" val="1"/>
+              <ma14:wrappingTextBoxFlag xmlns="" xmlns:ma14="http://schemas.microsoft.com/office/mac/drawingml/2011/main" val="1"/>
             </a:ext>
           </a:extLst>
         </p:spPr>
@@ -3613,7 +3559,7 @@
           </a:prstGeom>
           <a:extLst>
             <a:ext uri="{C572A759-6A51-4108-AA02-DFA0A04FC94B}">
-              <ma14:wrappingTextBoxFlag xmlns:ma14="http://schemas.microsoft.com/office/mac/drawingml/2011/main" xmlns="" val="1"/>
+              <ma14:wrappingTextBoxFlag xmlns="" xmlns:ma14="http://schemas.microsoft.com/office/mac/drawingml/2011/main" val="1"/>
             </a:ext>
           </a:extLst>
         </p:spPr>
@@ -3683,7 +3629,7 @@
           </a:ln>
           <a:extLst>
             <a:ext uri="{C572A759-6A51-4108-AA02-DFA0A04FC94B}">
-              <ma14:wrappingTextBoxFlag xmlns:ma14="http://schemas.microsoft.com/office/mac/drawingml/2011/main" xmlns="" val="1"/>
+              <ma14:wrappingTextBoxFlag xmlns="" xmlns:ma14="http://schemas.microsoft.com/office/mac/drawingml/2011/main" val="1"/>
             </a:ext>
           </a:extLst>
         </p:spPr>
@@ -3760,7 +3706,7 @@
           </a:prstGeom>
           <a:extLst>
             <a:ext uri="{C572A759-6A51-4108-AA02-DFA0A04FC94B}">
-              <ma14:wrappingTextBoxFlag xmlns:ma14="http://schemas.microsoft.com/office/mac/drawingml/2011/main" xmlns="" val="1"/>
+              <ma14:wrappingTextBoxFlag xmlns="" xmlns:ma14="http://schemas.microsoft.com/office/mac/drawingml/2011/main" val="1"/>
             </a:ext>
           </a:extLst>
         </p:spPr>
@@ -3794,7 +3740,7 @@
           </a:ln>
           <a:extLst>
             <a:ext uri="{C572A759-6A51-4108-AA02-DFA0A04FC94B}">
-              <ma14:wrappingTextBoxFlag xmlns:ma14="http://schemas.microsoft.com/office/mac/drawingml/2011/main" xmlns="" val="1"/>
+              <ma14:wrappingTextBoxFlag xmlns="" xmlns:ma14="http://schemas.microsoft.com/office/mac/drawingml/2011/main" val="1"/>
             </a:ext>
           </a:extLst>
         </p:spPr>
